--- a/Presentations/class final slides.pptx
+++ b/Presentations/class final slides.pptx
@@ -14,10 +14,14 @@
     <p:sldId id="263" r:id="rId8"/>
     <p:sldId id="264" r:id="rId9"/>
     <p:sldId id="268" r:id="rId10"/>
-    <p:sldId id="267" r:id="rId11"/>
-    <p:sldId id="265" r:id="rId12"/>
-    <p:sldId id="266" r:id="rId13"/>
-    <p:sldId id="269" r:id="rId14"/>
+    <p:sldId id="271" r:id="rId11"/>
+    <p:sldId id="267" r:id="rId12"/>
+    <p:sldId id="272" r:id="rId13"/>
+    <p:sldId id="265" r:id="rId14"/>
+    <p:sldId id="273" r:id="rId15"/>
+    <p:sldId id="266" r:id="rId16"/>
+    <p:sldId id="269" r:id="rId17"/>
+    <p:sldId id="270" r:id="rId18"/>
   </p:sldIdLst>
   <p:sldSz cx="12192000" cy="6858000"/>
   <p:notesSz cx="6858000" cy="9144000"/>
@@ -6307,6 +6311,140 @@
           <a:p>
             <a:r>
               <a:rPr lang="en-US" sz="3600" dirty="0"/>
+              <a:t>Augmented KF Example</a:t>
+            </a:r>
+          </a:p>
+        </p:txBody>
+      </p:sp>
+      <p:cxnSp>
+        <p:nvCxnSpPr>
+          <p:cNvPr id="5" name="Straight Connector 4">
+            <a:extLst>
+              <a:ext uri="{FF2B5EF4-FFF2-40B4-BE49-F238E27FC236}">
+                <a16:creationId xmlns:a16="http://schemas.microsoft.com/office/drawing/2014/main" id="{E93246C7-D8C9-D65B-34AA-CCCDD390FA79}"/>
+              </a:ext>
+            </a:extLst>
+          </p:cNvPr>
+          <p:cNvCxnSpPr>
+            <a:cxnSpLocks/>
+          </p:cNvCxnSpPr>
+          <p:nvPr/>
+        </p:nvCxnSpPr>
+        <p:spPr>
+          <a:xfrm>
+            <a:off x="532614" y="1412240"/>
+            <a:ext cx="10725901" cy="0"/>
+          </a:xfrm>
+          <a:prstGeom prst="line">
+            <a:avLst/>
+          </a:prstGeom>
+          <a:ln w="38100"/>
+        </p:spPr>
+        <p:style>
+          <a:lnRef idx="1">
+            <a:schemeClr val="accent4"/>
+          </a:lnRef>
+          <a:fillRef idx="0">
+            <a:schemeClr val="accent4"/>
+          </a:fillRef>
+          <a:effectRef idx="0">
+            <a:schemeClr val="accent4"/>
+          </a:effectRef>
+          <a:fontRef idx="minor">
+            <a:schemeClr val="tx1"/>
+          </a:fontRef>
+        </p:style>
+      </p:cxnSp>
+      <p:pic>
+        <p:nvPicPr>
+          <p:cNvPr id="8" name="Picture 7">
+            <a:extLst>
+              <a:ext uri="{FF2B5EF4-FFF2-40B4-BE49-F238E27FC236}">
+                <a16:creationId xmlns:a16="http://schemas.microsoft.com/office/drawing/2014/main" id="{ACDFDD0A-31E9-1DF3-1286-972344331ABB}"/>
+              </a:ext>
+            </a:extLst>
+          </p:cNvPr>
+          <p:cNvPicPr>
+            <a:picLocks noChangeAspect="1"/>
+          </p:cNvPicPr>
+          <p:nvPr/>
+        </p:nvPicPr>
+        <p:blipFill>
+          <a:blip r:embed="rId2"/>
+          <a:stretch>
+            <a:fillRect/>
+          </a:stretch>
+        </p:blipFill>
+        <p:spPr>
+          <a:xfrm>
+            <a:off x="666070" y="2235030"/>
+            <a:ext cx="10458988" cy="3302170"/>
+          </a:xfrm>
+          <a:prstGeom prst="rect">
+            <a:avLst/>
+          </a:prstGeom>
+        </p:spPr>
+      </p:pic>
+    </p:spTree>
+    <p:extLst>
+      <p:ext uri="{BB962C8B-B14F-4D97-AF65-F5344CB8AC3E}">
+        <p14:creationId xmlns:p14="http://schemas.microsoft.com/office/powerpoint/2010/main" val="3107517099"/>
+      </p:ext>
+    </p:extLst>
+  </p:cSld>
+  <p:clrMapOvr>
+    <a:masterClrMapping/>
+  </p:clrMapOvr>
+</p:sld>
+</file>
+
+<file path=ppt/slides/slide11.xml><?xml version="1.0" encoding="utf-8"?>
+<p:sld xmlns:a="http://schemas.openxmlformats.org/drawingml/2006/main" xmlns:r="http://schemas.openxmlformats.org/officeDocument/2006/relationships" xmlns:p="http://schemas.openxmlformats.org/presentationml/2006/main">
+  <p:cSld>
+    <p:spTree>
+      <p:nvGrpSpPr>
+        <p:cNvPr id="1" name=""/>
+        <p:cNvGrpSpPr/>
+        <p:nvPr/>
+      </p:nvGrpSpPr>
+      <p:grpSpPr>
+        <a:xfrm>
+          <a:off x="0" y="0"/>
+          <a:ext cx="0" cy="0"/>
+          <a:chOff x="0" y="0"/>
+          <a:chExt cx="0" cy="0"/>
+        </a:xfrm>
+      </p:grpSpPr>
+      <p:sp>
+        <p:nvSpPr>
+          <p:cNvPr id="2" name="Title 1">
+            <a:extLst>
+              <a:ext uri="{FF2B5EF4-FFF2-40B4-BE49-F238E27FC236}">
+                <a16:creationId xmlns:a16="http://schemas.microsoft.com/office/drawing/2014/main" id="{28DCB5AC-FD05-5A33-4189-BABCE87FDD38}"/>
+              </a:ext>
+            </a:extLst>
+          </p:cNvPr>
+          <p:cNvSpPr>
+            <a:spLocks noGrp="1"/>
+          </p:cNvSpPr>
+          <p:nvPr>
+            <p:ph type="title"/>
+          </p:nvPr>
+        </p:nvSpPr>
+        <p:spPr>
+          <a:xfrm>
+            <a:off x="219459" y="165657"/>
+            <a:ext cx="11039055" cy="1057592"/>
+          </a:xfrm>
+        </p:spPr>
+        <p:txBody>
+          <a:bodyPr>
+            <a:noAutofit/>
+          </a:bodyPr>
+          <a:lstStyle/>
+          <a:p>
+            <a:r>
+              <a:rPr lang="en-US" sz="3600" dirty="0"/>
               <a:t>Physics-Initiated RNN</a:t>
             </a:r>
           </a:p>
@@ -6480,7 +6618,141 @@
 </p:sld>
 </file>
 
-<file path=ppt/slides/slide11.xml><?xml version="1.0" encoding="utf-8"?>
+<file path=ppt/slides/slide12.xml><?xml version="1.0" encoding="utf-8"?>
+<p:sld xmlns:a="http://schemas.openxmlformats.org/drawingml/2006/main" xmlns:r="http://schemas.openxmlformats.org/officeDocument/2006/relationships" xmlns:p="http://schemas.openxmlformats.org/presentationml/2006/main">
+  <p:cSld>
+    <p:spTree>
+      <p:nvGrpSpPr>
+        <p:cNvPr id="1" name=""/>
+        <p:cNvGrpSpPr/>
+        <p:nvPr/>
+      </p:nvGrpSpPr>
+      <p:grpSpPr>
+        <a:xfrm>
+          <a:off x="0" y="0"/>
+          <a:ext cx="0" cy="0"/>
+          <a:chOff x="0" y="0"/>
+          <a:chExt cx="0" cy="0"/>
+        </a:xfrm>
+      </p:grpSpPr>
+      <p:sp>
+        <p:nvSpPr>
+          <p:cNvPr id="2" name="Title 1">
+            <a:extLst>
+              <a:ext uri="{FF2B5EF4-FFF2-40B4-BE49-F238E27FC236}">
+                <a16:creationId xmlns:a16="http://schemas.microsoft.com/office/drawing/2014/main" id="{28DCB5AC-FD05-5A33-4189-BABCE87FDD38}"/>
+              </a:ext>
+            </a:extLst>
+          </p:cNvPr>
+          <p:cNvSpPr>
+            <a:spLocks noGrp="1"/>
+          </p:cNvSpPr>
+          <p:nvPr>
+            <p:ph type="title"/>
+          </p:nvPr>
+        </p:nvSpPr>
+        <p:spPr>
+          <a:xfrm>
+            <a:off x="219459" y="165657"/>
+            <a:ext cx="11039055" cy="1057592"/>
+          </a:xfrm>
+        </p:spPr>
+        <p:txBody>
+          <a:bodyPr>
+            <a:noAutofit/>
+          </a:bodyPr>
+          <a:lstStyle/>
+          <a:p>
+            <a:r>
+              <a:rPr lang="en-US" sz="3600" dirty="0"/>
+              <a:t>Physics-Initiated RNN Example</a:t>
+            </a:r>
+          </a:p>
+        </p:txBody>
+      </p:sp>
+      <p:cxnSp>
+        <p:nvCxnSpPr>
+          <p:cNvPr id="5" name="Straight Connector 4">
+            <a:extLst>
+              <a:ext uri="{FF2B5EF4-FFF2-40B4-BE49-F238E27FC236}">
+                <a16:creationId xmlns:a16="http://schemas.microsoft.com/office/drawing/2014/main" id="{E93246C7-D8C9-D65B-34AA-CCCDD390FA79}"/>
+              </a:ext>
+            </a:extLst>
+          </p:cNvPr>
+          <p:cNvCxnSpPr>
+            <a:cxnSpLocks/>
+          </p:cNvCxnSpPr>
+          <p:nvPr/>
+        </p:nvCxnSpPr>
+        <p:spPr>
+          <a:xfrm>
+            <a:off x="532614" y="1412240"/>
+            <a:ext cx="10725901" cy="0"/>
+          </a:xfrm>
+          <a:prstGeom prst="line">
+            <a:avLst/>
+          </a:prstGeom>
+          <a:ln w="38100"/>
+        </p:spPr>
+        <p:style>
+          <a:lnRef idx="1">
+            <a:schemeClr val="accent4"/>
+          </a:lnRef>
+          <a:fillRef idx="0">
+            <a:schemeClr val="accent4"/>
+          </a:fillRef>
+          <a:effectRef idx="0">
+            <a:schemeClr val="accent4"/>
+          </a:effectRef>
+          <a:fontRef idx="minor">
+            <a:schemeClr val="tx1"/>
+          </a:fontRef>
+        </p:style>
+      </p:cxnSp>
+      <p:pic>
+        <p:nvPicPr>
+          <p:cNvPr id="4" name="Picture 3">
+            <a:extLst>
+              <a:ext uri="{FF2B5EF4-FFF2-40B4-BE49-F238E27FC236}">
+                <a16:creationId xmlns:a16="http://schemas.microsoft.com/office/drawing/2014/main" id="{50B72AC7-D84F-50F2-9F82-13CABD2D612A}"/>
+              </a:ext>
+            </a:extLst>
+          </p:cNvPr>
+          <p:cNvPicPr>
+            <a:picLocks noChangeAspect="1"/>
+          </p:cNvPicPr>
+          <p:nvPr/>
+        </p:nvPicPr>
+        <p:blipFill>
+          <a:blip r:embed="rId2"/>
+          <a:stretch>
+            <a:fillRect/>
+          </a:stretch>
+        </p:blipFill>
+        <p:spPr>
+          <a:xfrm>
+            <a:off x="742274" y="2366560"/>
+            <a:ext cx="10306580" cy="3283119"/>
+          </a:xfrm>
+          <a:prstGeom prst="rect">
+            <a:avLst/>
+          </a:prstGeom>
+        </p:spPr>
+      </p:pic>
+    </p:spTree>
+    <p:extLst>
+      <p:ext uri="{BB962C8B-B14F-4D97-AF65-F5344CB8AC3E}">
+        <p14:creationId xmlns:p14="http://schemas.microsoft.com/office/powerpoint/2010/main" val="938904656"/>
+      </p:ext>
+    </p:extLst>
+  </p:cSld>
+  <p:clrMapOvr>
+    <a:masterClrMapping/>
+  </p:clrMapOvr>
+</p:sld>
+</file>
+
+<file path=ppt/slides/slide13.xml><?xml version="1.0" encoding="utf-8"?>
 <p:sld xmlns:a="http://schemas.openxmlformats.org/drawingml/2006/main" xmlns:r="http://schemas.openxmlformats.org/officeDocument/2006/relationships" xmlns:p="http://schemas.openxmlformats.org/presentationml/2006/main">
   <p:cSld>
     <p:spTree>
@@ -6710,7 +6982,141 @@
 </p:sld>
 </file>
 
-<file path=ppt/slides/slide12.xml><?xml version="1.0" encoding="utf-8"?>
+<file path=ppt/slides/slide14.xml><?xml version="1.0" encoding="utf-8"?>
+<p:sld xmlns:a="http://schemas.openxmlformats.org/drawingml/2006/main" xmlns:r="http://schemas.openxmlformats.org/officeDocument/2006/relationships" xmlns:p="http://schemas.openxmlformats.org/presentationml/2006/main">
+  <p:cSld>
+    <p:spTree>
+      <p:nvGrpSpPr>
+        <p:cNvPr id="1" name=""/>
+        <p:cNvGrpSpPr/>
+        <p:nvPr/>
+      </p:nvGrpSpPr>
+      <p:grpSpPr>
+        <a:xfrm>
+          <a:off x="0" y="0"/>
+          <a:ext cx="0" cy="0"/>
+          <a:chOff x="0" y="0"/>
+          <a:chExt cx="0" cy="0"/>
+        </a:xfrm>
+      </p:grpSpPr>
+      <p:sp>
+        <p:nvSpPr>
+          <p:cNvPr id="2" name="Title 1">
+            <a:extLst>
+              <a:ext uri="{FF2B5EF4-FFF2-40B4-BE49-F238E27FC236}">
+                <a16:creationId xmlns:a16="http://schemas.microsoft.com/office/drawing/2014/main" id="{28DCB5AC-FD05-5A33-4189-BABCE87FDD38}"/>
+              </a:ext>
+            </a:extLst>
+          </p:cNvPr>
+          <p:cNvSpPr>
+            <a:spLocks noGrp="1"/>
+          </p:cNvSpPr>
+          <p:nvPr>
+            <p:ph type="title"/>
+          </p:nvPr>
+        </p:nvSpPr>
+        <p:spPr>
+          <a:xfrm>
+            <a:off x="219459" y="165657"/>
+            <a:ext cx="11039055" cy="1057592"/>
+          </a:xfrm>
+        </p:spPr>
+        <p:txBody>
+          <a:bodyPr>
+            <a:noAutofit/>
+          </a:bodyPr>
+          <a:lstStyle/>
+          <a:p>
+            <a:r>
+              <a:rPr lang="en-US" sz="3600" dirty="0"/>
+              <a:t>Autoregressive Model Example</a:t>
+            </a:r>
+          </a:p>
+        </p:txBody>
+      </p:sp>
+      <p:cxnSp>
+        <p:nvCxnSpPr>
+          <p:cNvPr id="5" name="Straight Connector 4">
+            <a:extLst>
+              <a:ext uri="{FF2B5EF4-FFF2-40B4-BE49-F238E27FC236}">
+                <a16:creationId xmlns:a16="http://schemas.microsoft.com/office/drawing/2014/main" id="{E93246C7-D8C9-D65B-34AA-CCCDD390FA79}"/>
+              </a:ext>
+            </a:extLst>
+          </p:cNvPr>
+          <p:cNvCxnSpPr>
+            <a:cxnSpLocks/>
+          </p:cNvCxnSpPr>
+          <p:nvPr/>
+        </p:nvCxnSpPr>
+        <p:spPr>
+          <a:xfrm>
+            <a:off x="532614" y="1412240"/>
+            <a:ext cx="10725901" cy="0"/>
+          </a:xfrm>
+          <a:prstGeom prst="line">
+            <a:avLst/>
+          </a:prstGeom>
+          <a:ln w="38100"/>
+        </p:spPr>
+        <p:style>
+          <a:lnRef idx="1">
+            <a:schemeClr val="accent4"/>
+          </a:lnRef>
+          <a:fillRef idx="0">
+            <a:schemeClr val="accent4"/>
+          </a:fillRef>
+          <a:effectRef idx="0">
+            <a:schemeClr val="accent4"/>
+          </a:effectRef>
+          <a:fontRef idx="minor">
+            <a:schemeClr val="tx1"/>
+          </a:fontRef>
+        </p:style>
+      </p:cxnSp>
+      <p:pic>
+        <p:nvPicPr>
+          <p:cNvPr id="6" name="Picture 5">
+            <a:extLst>
+              <a:ext uri="{FF2B5EF4-FFF2-40B4-BE49-F238E27FC236}">
+                <a16:creationId xmlns:a16="http://schemas.microsoft.com/office/drawing/2014/main" id="{E604B45B-9896-0349-3A67-AD056217E57B}"/>
+              </a:ext>
+            </a:extLst>
+          </p:cNvPr>
+          <p:cNvPicPr>
+            <a:picLocks noChangeAspect="1"/>
+          </p:cNvPicPr>
+          <p:nvPr/>
+        </p:nvPicPr>
+        <p:blipFill>
+          <a:blip r:embed="rId2"/>
+          <a:stretch>
+            <a:fillRect/>
+          </a:stretch>
+        </p:blipFill>
+        <p:spPr>
+          <a:xfrm>
+            <a:off x="685121" y="2287818"/>
+            <a:ext cx="10420886" cy="3359323"/>
+          </a:xfrm>
+          <a:prstGeom prst="rect">
+            <a:avLst/>
+          </a:prstGeom>
+        </p:spPr>
+      </p:pic>
+    </p:spTree>
+    <p:extLst>
+      <p:ext uri="{BB962C8B-B14F-4D97-AF65-F5344CB8AC3E}">
+        <p14:creationId xmlns:p14="http://schemas.microsoft.com/office/powerpoint/2010/main" val="1898181289"/>
+      </p:ext>
+    </p:extLst>
+  </p:cSld>
+  <p:clrMapOvr>
+    <a:masterClrMapping/>
+  </p:clrMapOvr>
+</p:sld>
+</file>
+
+<file path=ppt/slides/slide15.xml><?xml version="1.0" encoding="utf-8"?>
 <p:sld xmlns:a="http://schemas.openxmlformats.org/drawingml/2006/main" xmlns:r="http://schemas.openxmlformats.org/officeDocument/2006/relationships" xmlns:p="http://schemas.openxmlformats.org/presentationml/2006/main">
   <p:cSld>
     <p:spTree>
@@ -6904,7 +7310,7 @@
 </p:sld>
 </file>
 
-<file path=ppt/slides/slide13.xml><?xml version="1.0" encoding="utf-8"?>
+<file path=ppt/slides/slide16.xml><?xml version="1.0" encoding="utf-8"?>
 <p:sld xmlns:a="http://schemas.openxmlformats.org/drawingml/2006/main" xmlns:r="http://schemas.openxmlformats.org/officeDocument/2006/relationships" xmlns:p="http://schemas.openxmlformats.org/presentationml/2006/main">
   <p:cSld>
     <p:spTree>
@@ -6951,7 +7357,7 @@
           <a:p>
             <a:r>
               <a:rPr lang="en-US" sz="3600" dirty="0"/>
-              <a:t>Running Models with Standard Loss Function</a:t>
+              <a:t>Standard Loss Function (1)</a:t>
             </a:r>
           </a:p>
         </p:txBody>
@@ -7277,6 +7683,255 @@
 </p:sld>
 </file>
 
+<file path=ppt/slides/slide17.xml><?xml version="1.0" encoding="utf-8"?>
+<p:sld xmlns:a="http://schemas.openxmlformats.org/drawingml/2006/main" xmlns:r="http://schemas.openxmlformats.org/officeDocument/2006/relationships" xmlns:p="http://schemas.openxmlformats.org/presentationml/2006/main">
+  <p:cSld>
+    <p:spTree>
+      <p:nvGrpSpPr>
+        <p:cNvPr id="1" name=""/>
+        <p:cNvGrpSpPr/>
+        <p:nvPr/>
+      </p:nvGrpSpPr>
+      <p:grpSpPr>
+        <a:xfrm>
+          <a:off x="0" y="0"/>
+          <a:ext cx="0" cy="0"/>
+          <a:chOff x="0" y="0"/>
+          <a:chExt cx="0" cy="0"/>
+        </a:xfrm>
+      </p:grpSpPr>
+      <p:sp>
+        <p:nvSpPr>
+          <p:cNvPr id="2" name="Title 1">
+            <a:extLst>
+              <a:ext uri="{FF2B5EF4-FFF2-40B4-BE49-F238E27FC236}">
+                <a16:creationId xmlns:a16="http://schemas.microsoft.com/office/drawing/2014/main" id="{28DCB5AC-FD05-5A33-4189-BABCE87FDD38}"/>
+              </a:ext>
+            </a:extLst>
+          </p:cNvPr>
+          <p:cNvSpPr>
+            <a:spLocks noGrp="1"/>
+          </p:cNvSpPr>
+          <p:nvPr>
+            <p:ph type="title"/>
+          </p:nvPr>
+        </p:nvSpPr>
+        <p:spPr>
+          <a:xfrm>
+            <a:off x="219459" y="165657"/>
+            <a:ext cx="11039055" cy="1057592"/>
+          </a:xfrm>
+        </p:spPr>
+        <p:txBody>
+          <a:bodyPr>
+            <a:noAutofit/>
+          </a:bodyPr>
+          <a:lstStyle/>
+          <a:p>
+            <a:r>
+              <a:rPr lang="en-US" sz="3600" dirty="0"/>
+              <a:t>Running Models with Standard Loss Function</a:t>
+            </a:r>
+          </a:p>
+        </p:txBody>
+      </p:sp>
+      <p:sp>
+        <p:nvSpPr>
+          <p:cNvPr id="4" name="Text Placeholder 3">
+            <a:extLst>
+              <a:ext uri="{FF2B5EF4-FFF2-40B4-BE49-F238E27FC236}">
+                <a16:creationId xmlns:a16="http://schemas.microsoft.com/office/drawing/2014/main" id="{6D59AFF8-CEFF-BCFA-F54B-DB9658BE8BC1}"/>
+              </a:ext>
+            </a:extLst>
+          </p:cNvPr>
+          <p:cNvSpPr>
+            <a:spLocks noGrp="1"/>
+          </p:cNvSpPr>
+          <p:nvPr>
+            <p:ph type="body" sz="half" idx="2"/>
+          </p:nvPr>
+        </p:nvSpPr>
+        <p:spPr>
+          <a:xfrm>
+            <a:off x="219459" y="1800383"/>
+            <a:ext cx="4220461" cy="4000487"/>
+          </a:xfrm>
+        </p:spPr>
+        <p:txBody>
+          <a:bodyPr>
+            <a:normAutofit/>
+          </a:bodyPr>
+          <a:lstStyle/>
+          <a:p>
+            <a:pPr marL="285750" indent="-285750" algn="l">
+              <a:buFont typeface="Arial" panose="020B0604020202020204" pitchFamily="34" charset="0"/>
+              <a:buChar char="•"/>
+            </a:pPr>
+            <a:r>
+              <a:rPr lang="en-US" sz="2000" dirty="0"/>
+              <a:t>The AR model had the lowest prediction RMSE</a:t>
+            </a:r>
+          </a:p>
+          <a:p>
+            <a:pPr marL="285750" indent="-285750" algn="l">
+              <a:buFont typeface="Arial" panose="020B0604020202020204" pitchFamily="34" charset="0"/>
+              <a:buChar char="•"/>
+            </a:pPr>
+            <a:r>
+              <a:rPr lang="en-US" sz="2000" dirty="0"/>
+              <a:t>The AR and Physics-Based KF model showed signs of overfitting</a:t>
+            </a:r>
+            <a:endParaRPr lang="en-US" sz="1600" b="0" dirty="0"/>
+          </a:p>
+        </p:txBody>
+      </p:sp>
+      <p:cxnSp>
+        <p:nvCxnSpPr>
+          <p:cNvPr id="5" name="Straight Connector 4">
+            <a:extLst>
+              <a:ext uri="{FF2B5EF4-FFF2-40B4-BE49-F238E27FC236}">
+                <a16:creationId xmlns:a16="http://schemas.microsoft.com/office/drawing/2014/main" id="{E93246C7-D8C9-D65B-34AA-CCCDD390FA79}"/>
+              </a:ext>
+            </a:extLst>
+          </p:cNvPr>
+          <p:cNvCxnSpPr>
+            <a:cxnSpLocks/>
+          </p:cNvCxnSpPr>
+          <p:nvPr/>
+        </p:nvCxnSpPr>
+        <p:spPr>
+          <a:xfrm>
+            <a:off x="532614" y="1412240"/>
+            <a:ext cx="10725901" cy="0"/>
+          </a:xfrm>
+          <a:prstGeom prst="line">
+            <a:avLst/>
+          </a:prstGeom>
+          <a:ln w="38100"/>
+        </p:spPr>
+        <p:style>
+          <a:lnRef idx="1">
+            <a:schemeClr val="accent4"/>
+          </a:lnRef>
+          <a:fillRef idx="0">
+            <a:schemeClr val="accent4"/>
+          </a:fillRef>
+          <a:effectRef idx="0">
+            <a:schemeClr val="accent4"/>
+          </a:effectRef>
+          <a:fontRef idx="minor">
+            <a:schemeClr val="tx1"/>
+          </a:fontRef>
+        </p:style>
+      </p:cxnSp>
+      <p:pic>
+        <p:nvPicPr>
+          <p:cNvPr id="9" name="Picture 8">
+            <a:extLst>
+              <a:ext uri="{FF2B5EF4-FFF2-40B4-BE49-F238E27FC236}">
+                <a16:creationId xmlns:a16="http://schemas.microsoft.com/office/drawing/2014/main" id="{DA200929-72FF-9799-A24D-63F1DB0E19EA}"/>
+              </a:ext>
+            </a:extLst>
+          </p:cNvPr>
+          <p:cNvPicPr>
+            <a:picLocks noChangeAspect="1"/>
+          </p:cNvPicPr>
+          <p:nvPr/>
+        </p:nvPicPr>
+        <p:blipFill>
+          <a:blip r:embed="rId2"/>
+          <a:stretch>
+            <a:fillRect/>
+          </a:stretch>
+        </p:blipFill>
+        <p:spPr>
+          <a:xfrm>
+            <a:off x="532614" y="4029478"/>
+            <a:ext cx="4322491" cy="2535454"/>
+          </a:xfrm>
+          <a:prstGeom prst="rect">
+            <a:avLst/>
+          </a:prstGeom>
+        </p:spPr>
+      </p:pic>
+      <p:pic>
+        <p:nvPicPr>
+          <p:cNvPr id="11" name="Picture 10">
+            <a:extLst>
+              <a:ext uri="{FF2B5EF4-FFF2-40B4-BE49-F238E27FC236}">
+                <a16:creationId xmlns:a16="http://schemas.microsoft.com/office/drawing/2014/main" id="{5528D817-2DAD-B9D5-1783-24A01CD360A2}"/>
+              </a:ext>
+            </a:extLst>
+          </p:cNvPr>
+          <p:cNvPicPr>
+            <a:picLocks noChangeAspect="1"/>
+          </p:cNvPicPr>
+          <p:nvPr/>
+        </p:nvPicPr>
+        <p:blipFill>
+          <a:blip r:embed="rId3"/>
+          <a:stretch>
+            <a:fillRect/>
+          </a:stretch>
+        </p:blipFill>
+        <p:spPr>
+          <a:xfrm>
+            <a:off x="5529279" y="2092628"/>
+            <a:ext cx="5896400" cy="4435023"/>
+          </a:xfrm>
+          <a:prstGeom prst="rect">
+            <a:avLst/>
+          </a:prstGeom>
+        </p:spPr>
+      </p:pic>
+      <p:sp>
+        <p:nvSpPr>
+          <p:cNvPr id="12" name="TextBox 11">
+            <a:extLst>
+              <a:ext uri="{FF2B5EF4-FFF2-40B4-BE49-F238E27FC236}">
+                <a16:creationId xmlns:a16="http://schemas.microsoft.com/office/drawing/2014/main" id="{C47B096C-535B-E211-6D02-57A7E36C8C3B}"/>
+              </a:ext>
+            </a:extLst>
+          </p:cNvPr>
+          <p:cNvSpPr txBox="1"/>
+          <p:nvPr/>
+        </p:nvSpPr>
+        <p:spPr>
+          <a:xfrm>
+            <a:off x="766321" y="3650741"/>
+            <a:ext cx="3881191" cy="369332"/>
+          </a:xfrm>
+          <a:prstGeom prst="rect">
+            <a:avLst/>
+          </a:prstGeom>
+          <a:noFill/>
+        </p:spPr>
+        <p:txBody>
+          <a:bodyPr wrap="none" rtlCol="0">
+            <a:spAutoFit/>
+          </a:bodyPr>
+          <a:lstStyle/>
+          <a:p>
+            <a:r>
+              <a:rPr lang="en-US" dirty="0"/>
+              <a:t>RMSE by Model and Training Period</a:t>
+            </a:r>
+          </a:p>
+        </p:txBody>
+      </p:sp>
+    </p:spTree>
+    <p:extLst>
+      <p:ext uri="{BB962C8B-B14F-4D97-AF65-F5344CB8AC3E}">
+        <p14:creationId xmlns:p14="http://schemas.microsoft.com/office/powerpoint/2010/main" val="1485960930"/>
+      </p:ext>
+    </p:extLst>
+  </p:cSld>
+  <p:clrMapOvr>
+    <a:masterClrMapping/>
+  </p:clrMapOvr>
+</p:sld>
+</file>
+
 <file path=ppt/slides/slide2.xml><?xml version="1.0" encoding="utf-8"?>
 <p:sld xmlns:a="http://schemas.openxmlformats.org/drawingml/2006/main" xmlns:r="http://schemas.openxmlformats.org/officeDocument/2006/relationships" xmlns:p="http://schemas.openxmlformats.org/presentationml/2006/main">
   <p:cSld>
@@ -9128,6 +9783,16 @@
               <a:buChar char="•"/>
             </a:pPr>
             <a:endParaRPr lang="en-US" sz="2000" dirty="0"/>
+          </a:p>
+          <a:p>
+            <a:pPr marL="285750" indent="-285750" algn="l">
+              <a:buFont typeface="Arial" panose="020B0604020202020204" pitchFamily="34" charset="0"/>
+              <a:buChar char="•"/>
+            </a:pPr>
+            <a:r>
+              <a:rPr lang="en-US" sz="2000" dirty="0"/>
+              <a:t>Model used within WRF-SFIRE</a:t>
+            </a:r>
           </a:p>
           <a:p>
             <a:pPr marL="285750" indent="-285750" algn="l">
